--- a/trunk/ smart-buy/Stuff/DungTT/Slide/Import Excel.pptx
+++ b/trunk/ smart-buy/Stuff/DungTT/Slide/Import Excel.pptx
@@ -7,6 +7,8 @@
   <p:sldIdLst>
     <p:sldId id="644" r:id="rId2"/>
     <p:sldId id="645" r:id="rId3"/>
+    <p:sldId id="646" r:id="rId4"/>
+    <p:sldId id="647" r:id="rId5"/>
   </p:sldIdLst>
   <p:sldSz cx="9144000" cy="6858000" type="screen4x3"/>
   <p:notesSz cx="6858000" cy="9144000"/>
@@ -2701,7 +2703,6 @@
               <a:rPr lang="en-US" smtClean="0"/>
               <a:t>Click to edit Master title style</a:t>
             </a:r>
-            <a:endParaRPr lang="en-US" smtClean="0"/>
           </a:p>
         </p:txBody>
       </p:sp>
@@ -3028,7 +3029,6 @@
               <a:rPr lang="en-US" smtClean="0"/>
               <a:t>Fifth level</a:t>
             </a:r>
-            <a:endParaRPr lang="en-US" smtClean="0"/>
           </a:p>
         </p:txBody>
       </p:sp>
@@ -7248,7 +7248,271 @@
                   </a:outerShdw>
                 </a:effectLst>
               </a:rPr>
-              <a:t>Compare products</a:t>
+              <a:t>Error products</a:t>
+            </a:r>
+            <a:endParaRPr lang="en-US" dirty="0">
+              <a:solidFill>
+                <a:srgbClr val="000000"/>
+              </a:solidFill>
+              <a:effectLst>
+                <a:outerShdw blurRad="38100" dist="38100" dir="2700000" algn="tl">
+                  <a:srgbClr val="C0C0C0"/>
+                </a:outerShdw>
+              </a:effectLst>
+            </a:endParaRPr>
+          </a:p>
+        </p:txBody>
+      </p:sp>
+      <p:pic>
+        <p:nvPicPr>
+          <p:cNvPr id="2" name="Picture 1"/>
+          <p:cNvPicPr>
+            <a:picLocks noChangeAspect="1"/>
+          </p:cNvPicPr>
+          <p:nvPr/>
+        </p:nvPicPr>
+        <p:blipFill>
+          <a:blip r:embed="rId2" cstate="print">
+            <a:extLst>
+              <a:ext uri="{28A0092B-C50C-407E-A947-70E740481C1C}">
+                <a14:useLocalDpi xmlns:a14="http://schemas.microsoft.com/office/drawing/2010/main" val="0"/>
+              </a:ext>
+            </a:extLst>
+          </a:blip>
+          <a:stretch>
+            <a:fillRect/>
+          </a:stretch>
+        </p:blipFill>
+        <p:spPr>
+          <a:xfrm>
+            <a:off x="0" y="1295400"/>
+            <a:ext cx="9144000" cy="4857750"/>
+          </a:xfrm>
+          <a:prstGeom prst="rect">
+            <a:avLst/>
+          </a:prstGeom>
+        </p:spPr>
+      </p:pic>
+    </p:spTree>
+    <p:extLst>
+      <p:ext uri="{BB962C8B-B14F-4D97-AF65-F5344CB8AC3E}">
+        <p14:creationId xmlns:p14="http://schemas.microsoft.com/office/powerpoint/2010/main" val="887305172"/>
+      </p:ext>
+    </p:extLst>
+  </p:cSld>
+  <p:clrMapOvr>
+    <a:masterClrMapping/>
+  </p:clrMapOvr>
+  <p:timing>
+    <p:tnLst>
+      <p:par>
+        <p:cTn id="1" dur="indefinite" restart="never" nodeType="tmRoot"/>
+      </p:par>
+    </p:tnLst>
+  </p:timing>
+</p:sld>
+</file>
+
+<file path=ppt/slides/slide3.xml><?xml version="1.0" encoding="utf-8"?>
+<p:sld xmlns:a="http://schemas.openxmlformats.org/drawingml/2006/main" xmlns:r="http://schemas.openxmlformats.org/officeDocument/2006/relationships" xmlns:p="http://schemas.openxmlformats.org/presentationml/2006/main">
+  <p:cSld>
+    <p:bg>
+      <p:bgPr>
+        <a:solidFill>
+          <a:srgbClr val="FFFFFF"/>
+        </a:solidFill>
+        <a:effectLst/>
+      </p:bgPr>
+    </p:bg>
+    <p:spTree>
+      <p:nvGrpSpPr>
+        <p:cNvPr id="1" name=""/>
+        <p:cNvGrpSpPr/>
+        <p:nvPr/>
+      </p:nvGrpSpPr>
+      <p:grpSpPr>
+        <a:xfrm>
+          <a:off x="0" y="0"/>
+          <a:ext cx="0" cy="0"/>
+          <a:chOff x="0" y="0"/>
+          <a:chExt cx="0" cy="0"/>
+        </a:xfrm>
+      </p:grpSpPr>
+      <p:sp>
+        <p:nvSpPr>
+          <p:cNvPr id="600066" name="Rectangle 2"/>
+          <p:cNvSpPr>
+            <a:spLocks noGrp="1" noChangeArrowheads="1"/>
+          </p:cNvSpPr>
+          <p:nvPr>
+            <p:ph type="title"/>
+          </p:nvPr>
+        </p:nvSpPr>
+        <p:spPr>
+          <a:noFill/>
+          <a:ln/>
+        </p:spPr>
+        <p:txBody>
+          <a:bodyPr/>
+          <a:lstStyle/>
+          <a:p>
+            <a:r>
+              <a:rPr lang="en-US" dirty="0" smtClean="0">
+                <a:solidFill>
+                  <a:srgbClr val="000000"/>
+                </a:solidFill>
+                <a:effectLst>
+                  <a:outerShdw blurRad="38100" dist="38100" dir="2700000" algn="tl">
+                    <a:srgbClr val="C0C0C0"/>
+                  </a:outerShdw>
+                </a:effectLst>
+              </a:rPr>
+              <a:t>Duplicate</a:t>
+            </a:r>
+            <a:r>
+              <a:rPr lang="en-US" dirty="0" smtClean="0">
+                <a:solidFill>
+                  <a:srgbClr val="000000"/>
+                </a:solidFill>
+                <a:effectLst>
+                  <a:outerShdw blurRad="38100" dist="38100" dir="2700000" algn="tl">
+                    <a:srgbClr val="C0C0C0"/>
+                  </a:outerShdw>
+                </a:effectLst>
+              </a:rPr>
+              <a:t> products</a:t>
+            </a:r>
+            <a:endParaRPr lang="en-US" dirty="0">
+              <a:solidFill>
+                <a:srgbClr val="000000"/>
+              </a:solidFill>
+              <a:effectLst>
+                <a:outerShdw blurRad="38100" dist="38100" dir="2700000" algn="tl">
+                  <a:srgbClr val="C0C0C0"/>
+                </a:outerShdw>
+              </a:effectLst>
+            </a:endParaRPr>
+          </a:p>
+        </p:txBody>
+      </p:sp>
+      <p:pic>
+        <p:nvPicPr>
+          <p:cNvPr id="4" name="Picture 3"/>
+          <p:cNvPicPr>
+            <a:picLocks noChangeAspect="1"/>
+          </p:cNvPicPr>
+          <p:nvPr/>
+        </p:nvPicPr>
+        <p:blipFill>
+          <a:blip r:embed="rId2" cstate="print">
+            <a:extLst>
+              <a:ext uri="{28A0092B-C50C-407E-A947-70E740481C1C}">
+                <a14:useLocalDpi xmlns:a14="http://schemas.microsoft.com/office/drawing/2010/main" val="0"/>
+              </a:ext>
+            </a:extLst>
+          </a:blip>
+          <a:stretch>
+            <a:fillRect/>
+          </a:stretch>
+        </p:blipFill>
+        <p:spPr>
+          <a:xfrm>
+            <a:off x="1600200" y="1600200"/>
+            <a:ext cx="5881949" cy="5105400"/>
+          </a:xfrm>
+          <a:prstGeom prst="rect">
+            <a:avLst/>
+          </a:prstGeom>
+        </p:spPr>
+      </p:pic>
+    </p:spTree>
+    <p:extLst>
+      <p:ext uri="{BB962C8B-B14F-4D97-AF65-F5344CB8AC3E}">
+        <p14:creationId xmlns:p14="http://schemas.microsoft.com/office/powerpoint/2010/main" val="3184181432"/>
+      </p:ext>
+    </p:extLst>
+  </p:cSld>
+  <p:clrMapOvr>
+    <a:masterClrMapping/>
+  </p:clrMapOvr>
+  <p:timing>
+    <p:tnLst>
+      <p:par>
+        <p:cTn id="1" dur="indefinite" restart="never" nodeType="tmRoot"/>
+      </p:par>
+    </p:tnLst>
+  </p:timing>
+</p:sld>
+</file>
+
+<file path=ppt/slides/slide4.xml><?xml version="1.0" encoding="utf-8"?>
+<p:sld xmlns:a="http://schemas.openxmlformats.org/drawingml/2006/main" xmlns:r="http://schemas.openxmlformats.org/officeDocument/2006/relationships" xmlns:p="http://schemas.openxmlformats.org/presentationml/2006/main">
+  <p:cSld>
+    <p:bg>
+      <p:bgPr>
+        <a:solidFill>
+          <a:srgbClr val="FFFFFF"/>
+        </a:solidFill>
+        <a:effectLst/>
+      </p:bgPr>
+    </p:bg>
+    <p:spTree>
+      <p:nvGrpSpPr>
+        <p:cNvPr id="1" name=""/>
+        <p:cNvGrpSpPr/>
+        <p:nvPr/>
+      </p:nvGrpSpPr>
+      <p:grpSpPr>
+        <a:xfrm>
+          <a:off x="0" y="0"/>
+          <a:ext cx="0" cy="0"/>
+          <a:chOff x="0" y="0"/>
+          <a:chExt cx="0" cy="0"/>
+        </a:xfrm>
+      </p:grpSpPr>
+      <p:sp>
+        <p:nvSpPr>
+          <p:cNvPr id="600066" name="Rectangle 2"/>
+          <p:cNvSpPr>
+            <a:spLocks noGrp="1" noChangeArrowheads="1"/>
+          </p:cNvSpPr>
+          <p:nvPr>
+            <p:ph type="title"/>
+          </p:nvPr>
+        </p:nvSpPr>
+        <p:spPr>
+          <a:noFill/>
+          <a:ln/>
+        </p:spPr>
+        <p:txBody>
+          <a:bodyPr/>
+          <a:lstStyle/>
+          <a:p>
+            <a:r>
+              <a:rPr lang="en-US" dirty="0" smtClean="0">
+                <a:solidFill>
+                  <a:srgbClr val="000000"/>
+                </a:solidFill>
+                <a:effectLst>
+                  <a:outerShdw blurRad="38100" dist="38100" dir="2700000" algn="tl">
+                    <a:srgbClr val="C0C0C0"/>
+                  </a:outerShdw>
+                </a:effectLst>
+              </a:rPr>
+              <a:t>Correct</a:t>
+            </a:r>
+            <a:r>
+              <a:rPr lang="en-US" dirty="0" smtClean="0">
+                <a:solidFill>
+                  <a:srgbClr val="000000"/>
+                </a:solidFill>
+                <a:effectLst>
+                  <a:outerShdw blurRad="38100" dist="38100" dir="2700000" algn="tl">
+                    <a:srgbClr val="C0C0C0"/>
+                  </a:outerShdw>
+                </a:effectLst>
+              </a:rPr>
+              <a:t> products</a:t>
             </a:r>
             <a:endParaRPr lang="en-US" dirty="0">
               <a:solidFill>
@@ -7285,8 +7549,8 @@
         </p:blipFill>
         <p:spPr>
           <a:xfrm>
-            <a:off x="0" y="990600"/>
-            <a:ext cx="9144000" cy="5585701"/>
+            <a:off x="1828800" y="1371600"/>
+            <a:ext cx="5624713" cy="5486400"/>
           </a:xfrm>
           <a:prstGeom prst="rect">
             <a:avLst/>
@@ -7296,7 +7560,7 @@
     </p:spTree>
     <p:extLst>
       <p:ext uri="{BB962C8B-B14F-4D97-AF65-F5344CB8AC3E}">
-        <p14:creationId xmlns:p14="http://schemas.microsoft.com/office/powerpoint/2010/main" val="887305172"/>
+        <p14:creationId xmlns:p14="http://schemas.microsoft.com/office/powerpoint/2010/main" val="3138991714"/>
       </p:ext>
     </p:extLst>
   </p:cSld>

--- a/trunk/ smart-buy/Stuff/DungTT/Slide/Import Excel.pptx
+++ b/trunk/ smart-buy/Stuff/DungTT/Slide/Import Excel.pptx
@@ -7367,20 +7367,7 @@
                   </a:outerShdw>
                 </a:effectLst>
               </a:rPr>
-              <a:t>Duplicate</a:t>
-            </a:r>
-            <a:r>
-              <a:rPr lang="en-US" dirty="0" smtClean="0">
-                <a:solidFill>
-                  <a:srgbClr val="000000"/>
-                </a:solidFill>
-                <a:effectLst>
-                  <a:outerShdw blurRad="38100" dist="38100" dir="2700000" algn="tl">
-                    <a:srgbClr val="C0C0C0"/>
-                  </a:outerShdw>
-                </a:effectLst>
-              </a:rPr>
-              <a:t> products</a:t>
+              <a:t>Duplicate products</a:t>
             </a:r>
             <a:endParaRPr lang="en-US" dirty="0">
               <a:solidFill>
@@ -7499,20 +7486,7 @@
                   </a:outerShdw>
                 </a:effectLst>
               </a:rPr>
-              <a:t>Correct</a:t>
-            </a:r>
-            <a:r>
-              <a:rPr lang="en-US" dirty="0" smtClean="0">
-                <a:solidFill>
-                  <a:srgbClr val="000000"/>
-                </a:solidFill>
-                <a:effectLst>
-                  <a:outerShdw blurRad="38100" dist="38100" dir="2700000" algn="tl">
-                    <a:srgbClr val="C0C0C0"/>
-                  </a:outerShdw>
-                </a:effectLst>
-              </a:rPr>
-              <a:t> products</a:t>
+              <a:t>Correct products</a:t>
             </a:r>
             <a:endParaRPr lang="en-US" dirty="0">
               <a:solidFill>
@@ -7529,7 +7503,7 @@
       </p:sp>
       <p:pic>
         <p:nvPicPr>
-          <p:cNvPr id="3" name="Picture 2"/>
+          <p:cNvPr id="2" name="Picture 1"/>
           <p:cNvPicPr>
             <a:picLocks noChangeAspect="1"/>
           </p:cNvPicPr>
@@ -7549,8 +7523,8 @@
         </p:blipFill>
         <p:spPr>
           <a:xfrm>
-            <a:off x="1828800" y="1371600"/>
-            <a:ext cx="5624713" cy="5486400"/>
+            <a:off x="1676400" y="1295400"/>
+            <a:ext cx="5496645" cy="5361481"/>
           </a:xfrm>
           <a:prstGeom prst="rect">
             <a:avLst/>
